--- a/Syllabus/ProjectFiles/ProjectGradingRubric.pptx
+++ b/Syllabus/ProjectFiles/ProjectGradingRubric.pptx
@@ -6314,7 +6314,7 @@
                   <a:schemeClr val="dk1"/>
                 </a:solidFill>
               </a:rPr>
-              <a:t>Points Breakdown (35 points total)</a:t>
+              <a:t>Points Breakdown (35 points total) 20% of your grade</a:t>
             </a:r>
             <a:endParaRPr b="1" dirty="0">
               <a:solidFill>
@@ -6370,7 +6370,7 @@
                   <a:schemeClr val="dk1"/>
                 </a:solidFill>
               </a:rPr>
-              <a:t>Project Report - (4 team, 3 individual) 7 points</a:t>
+              <a:t>Project Report - (5 teams with 4-5 members) 7 points</a:t>
             </a:r>
             <a:endParaRPr dirty="0">
               <a:solidFill>
@@ -6398,24 +6398,7 @@
                   <a:schemeClr val="dk1"/>
                 </a:solidFill>
               </a:rPr>
-              <a:t>Project Presentation - (4 team, 4 individual) 8 points</a:t>
-            </a:r>
-          </a:p>
-          <a:p>
-            <a:pPr>
-              <a:buClr>
-                <a:schemeClr val="dk1"/>
-              </a:buClr>
-              <a:buFont typeface="Arial"/>
-              <a:buAutoNum type="arabicPeriod"/>
-            </a:pPr>
-            <a:r>
-              <a:rPr lang="en-US" dirty="0">
-                <a:solidFill>
-                  <a:schemeClr val="dk1"/>
-                </a:solidFill>
-              </a:rPr>
-              <a:t>Team member responsibility</a:t>
+              <a:t>Project Presentation - (5 teams) 8 points</a:t>
             </a:r>
           </a:p>
         </p:txBody>
@@ -7377,7 +7360,7 @@
             </a:pPr>
             <a:r>
               <a:rPr lang="en" dirty="0"/>
-              <a:t>Project Report (4 team, 3 individual) 7 points </a:t>
+              <a:t>Project Report - 7 points </a:t>
             </a:r>
             <a:endParaRPr sz="3022" dirty="0"/>
           </a:p>
@@ -7404,7 +7387,7 @@
         </p:spPr>
         <p:txBody>
           <a:bodyPr spcFirstLastPara="1" wrap="square" lIns="91425" tIns="91425" rIns="91425" bIns="91425" anchor="t" anchorCtr="0">
-            <a:normAutofit fontScale="92500"/>
+            <a:normAutofit/>
           </a:bodyPr>
           <a:lstStyle/>
           <a:p>
@@ -7435,7 +7418,7 @@
                 <a:cs typeface="Roboto"/>
                 <a:sym typeface="Roboto"/>
               </a:rPr>
-              <a:t>Each team member should submit a project report of around 1,200-1800 words of explanatory text, minimal code, not including figures and tables unless necessary. In pdf format. </a:t>
+              <a:t>Each team member should submit a project report of around 1,200-1800 words of explanatory text, minimal code, not including figures and tables unless necessary, in pdf format. </a:t>
             </a:r>
             <a:r>
               <a:rPr lang="en-US" sz="1650" dirty="0">
@@ -7450,7 +7433,7 @@
                 <a:cs typeface="Roboto"/>
                 <a:sym typeface="Roboto"/>
               </a:rPr>
-              <a:t>S</a:t>
+              <a:t>Submit</a:t>
             </a:r>
             <a:r>
               <a:rPr lang="en" sz="1650" dirty="0">
@@ -7465,7 +7448,37 @@
                 <a:cs typeface="Roboto"/>
                 <a:sym typeface="Roboto"/>
               </a:rPr>
-              <a:t>submit like your assignments on GitHub repo.</a:t>
+              <a:t> your project report and python code on </a:t>
+            </a:r>
+            <a:r>
+              <a:rPr lang="en" sz="1650" dirty="0" err="1">
+                <a:solidFill>
+                  <a:schemeClr val="dk1"/>
+                </a:solidFill>
+                <a:highlight>
+                  <a:srgbClr val="FFFFFF"/>
+                </a:highlight>
+                <a:latin typeface="Roboto"/>
+                <a:ea typeface="Roboto"/>
+                <a:cs typeface="Roboto"/>
+                <a:sym typeface="Roboto"/>
+              </a:rPr>
+              <a:t>mycourses</a:t>
+            </a:r>
+            <a:r>
+              <a:rPr lang="en" sz="1650" dirty="0">
+                <a:solidFill>
+                  <a:schemeClr val="dk1"/>
+                </a:solidFill>
+                <a:highlight>
+                  <a:srgbClr val="FFFFFF"/>
+                </a:highlight>
+                <a:latin typeface="Roboto"/>
+                <a:ea typeface="Roboto"/>
+                <a:cs typeface="Roboto"/>
+                <a:sym typeface="Roboto"/>
+              </a:rPr>
+              <a:t>.</a:t>
             </a:r>
           </a:p>
           <a:p>
@@ -7540,7 +7553,7 @@
                 <a:cs typeface="Roboto"/>
                 <a:sym typeface="Roboto"/>
               </a:rPr>
-              <a:t>Development of question / hypothesis;</a:t>
+              <a:t>Development of question/hypothesis;</a:t>
             </a:r>
           </a:p>
           <a:p>
@@ -7565,7 +7578,7 @@
                 <a:cs typeface="Roboto"/>
                 <a:sym typeface="Roboto"/>
               </a:rPr>
-              <a:t>Data research: search for relevant data to contribute to question;</a:t>
+              <a:t>Data research: search for relevant data to contribute to the question;</a:t>
             </a:r>
           </a:p>
           <a:p>
@@ -7669,43 +7682,6 @@
             </a:r>
           </a:p>
           <a:p>
-            <a:pPr marL="914400" lvl="0" indent="-333375">
-              <a:buClr>
-                <a:schemeClr val="dk1"/>
-              </a:buClr>
-              <a:buSzPts val="1650"/>
-              <a:buFont typeface="Roboto"/>
-              <a:buAutoNum type="arabicPeriod"/>
-            </a:pPr>
-            <a:r>
-              <a:rPr lang="en-US" sz="1650" dirty="0">
-                <a:solidFill>
-                  <a:schemeClr val="dk1"/>
-                </a:solidFill>
-                <a:highlight>
-                  <a:srgbClr val="FFFFFF"/>
-                </a:highlight>
-                <a:latin typeface="Roboto"/>
-                <a:ea typeface="Roboto"/>
-                <a:cs typeface="Roboto"/>
-                <a:sym typeface="Roboto"/>
-              </a:rPr>
-              <a:t>Improving teamwork and collaboration</a:t>
-            </a:r>
-            <a:endParaRPr lang="en" sz="1650" dirty="0">
-              <a:solidFill>
-                <a:schemeClr val="dk1"/>
-              </a:solidFill>
-              <a:highlight>
-                <a:srgbClr val="FFFFFF"/>
-              </a:highlight>
-              <a:latin typeface="Roboto"/>
-              <a:ea typeface="Roboto"/>
-              <a:cs typeface="Roboto"/>
-              <a:sym typeface="Roboto"/>
-            </a:endParaRPr>
-          </a:p>
-          <a:p>
             <a:pPr indent="-333375">
               <a:buClr>
                 <a:schemeClr val="dk1"/>
@@ -7729,43 +7705,6 @@
               </a:rPr>
               <a:t>500 words of individual contribution (3 points)</a:t>
             </a:r>
-          </a:p>
-          <a:p>
-            <a:pPr indent="-333375">
-              <a:buClr>
-                <a:schemeClr val="dk1"/>
-              </a:buClr>
-              <a:buSzPts val="1650"/>
-              <a:buFont typeface="Roboto"/>
-              <a:buChar char="-"/>
-            </a:pPr>
-            <a:r>
-              <a:rPr lang="en-US" sz="1650" dirty="0">
-                <a:solidFill>
-                  <a:schemeClr val="dk1"/>
-                </a:solidFill>
-                <a:highlight>
-                  <a:srgbClr val="FFFFFF"/>
-                </a:highlight>
-                <a:latin typeface="Roboto"/>
-                <a:ea typeface="Roboto"/>
-                <a:cs typeface="Roboto"/>
-                <a:sym typeface="Roboto"/>
-              </a:rPr>
-              <a:t>Due date 12/10 11:59pm. No extensions.</a:t>
-            </a:r>
-            <a:endParaRPr sz="1650" dirty="0">
-              <a:solidFill>
-                <a:schemeClr val="dk1"/>
-              </a:solidFill>
-              <a:highlight>
-                <a:srgbClr val="FFFFFF"/>
-              </a:highlight>
-              <a:latin typeface="Roboto"/>
-              <a:ea typeface="Roboto"/>
-              <a:cs typeface="Roboto"/>
-              <a:sym typeface="Roboto"/>
-            </a:endParaRPr>
           </a:p>
         </p:txBody>
       </p:sp>
@@ -7829,10 +7768,10 @@
               <a:buNone/>
             </a:pPr>
             <a:r>
-              <a:rPr lang="en"/>
-              <a:t>Project Presentation - (4 team, 4 individual) 8 points</a:t>
+              <a:rPr lang="en" dirty="0"/>
+              <a:t>Project Presentation - 8 points</a:t>
             </a:r>
-            <a:endParaRPr/>
+            <a:endParaRPr dirty="0"/>
           </a:p>
         </p:txBody>
       </p:sp>
@@ -7887,7 +7826,7 @@
                 <a:cs typeface="Roboto"/>
                 <a:sym typeface="Roboto"/>
               </a:rPr>
-              <a:t>Every presentation is 20 minutes long followed by 10 minutes for Q&amp;A.</a:t>
+              <a:t>Every presentation is 10 minutes long, followed by 5 minutes for Q&amp;A.</a:t>
             </a:r>
             <a:endParaRPr sz="1602" dirty="0">
               <a:solidFill>
@@ -8086,7 +8025,7 @@
                 <a:cs typeface="Roboto"/>
                 <a:sym typeface="Roboto"/>
               </a:rPr>
-              <a:t>Draw conclusions with lots of explanations, citing evidence from your data, and from any relevant literature.</a:t>
+              <a:t>Draw conclusions with lots of explanations, citing evidence from your data and any relevant literature.</a:t>
             </a:r>
             <a:endParaRPr sz="1602" dirty="0">
               <a:solidFill>
@@ -8128,139 +8067,7 @@
                 <a:cs typeface="Roboto"/>
                 <a:sym typeface="Roboto"/>
               </a:rPr>
-              <a:t>Every member of your group will be presenting a part of the presentation, preferably what they worked on, questions will be asked at the end of the their turn and at the end of the presentation.</a:t>
-            </a:r>
-            <a:endParaRPr sz="1602" dirty="0">
-              <a:solidFill>
-                <a:schemeClr val="dk1"/>
-              </a:solidFill>
-              <a:highlight>
-                <a:srgbClr val="FFFFFF"/>
-              </a:highlight>
-              <a:latin typeface="Roboto"/>
-              <a:ea typeface="Roboto"/>
-              <a:cs typeface="Roboto"/>
-              <a:sym typeface="Roboto"/>
-            </a:endParaRPr>
-          </a:p>
-          <a:p>
-            <a:pPr marL="0" lvl="0" indent="0" algn="l" rtl="0">
-              <a:lnSpc>
-                <a:spcPct val="95000"/>
-              </a:lnSpc>
-              <a:spcBef>
-                <a:spcPts val="2500"/>
-              </a:spcBef>
-              <a:spcAft>
-                <a:spcPts val="0"/>
-              </a:spcAft>
-              <a:buSzPts val="935"/>
-              <a:buNone/>
-            </a:pPr>
-            <a:r>
-              <a:rPr lang="en" sz="1602">
-                <a:solidFill>
-                  <a:schemeClr val="dk1"/>
-                </a:solidFill>
-                <a:highlight>
-                  <a:srgbClr val="FFFFFF"/>
-                </a:highlight>
-                <a:latin typeface="Roboto"/>
-                <a:ea typeface="Roboto"/>
-                <a:cs typeface="Roboto"/>
-                <a:sym typeface="Roboto"/>
-              </a:rPr>
-              <a:t>At least </a:t>
-            </a:r>
-            <a:r>
-              <a:rPr lang="en" sz="1602" dirty="0">
-                <a:solidFill>
-                  <a:schemeClr val="dk1"/>
-                </a:solidFill>
-                <a:highlight>
-                  <a:srgbClr val="FFFFFF"/>
-                </a:highlight>
-                <a:latin typeface="Roboto"/>
-                <a:ea typeface="Roboto"/>
-                <a:cs typeface="Roboto"/>
-                <a:sym typeface="Roboto"/>
-              </a:rPr>
-              <a:t>1 question will be posed by other teams (total 4-5 </a:t>
-            </a:r>
-            <a:r>
-              <a:rPr lang="en" sz="1602" dirty="0" err="1">
-                <a:solidFill>
-                  <a:schemeClr val="dk1"/>
-                </a:solidFill>
-                <a:highlight>
-                  <a:srgbClr val="FFFFFF"/>
-                </a:highlight>
-                <a:latin typeface="Roboto"/>
-                <a:ea typeface="Roboto"/>
-                <a:cs typeface="Roboto"/>
-                <a:sym typeface="Roboto"/>
-              </a:rPr>
-              <a:t>qs</a:t>
-            </a:r>
-            <a:r>
-              <a:rPr lang="en" sz="1602" dirty="0">
-                <a:solidFill>
-                  <a:schemeClr val="dk1"/>
-                </a:solidFill>
-                <a:highlight>
-                  <a:srgbClr val="FFFFFF"/>
-                </a:highlight>
-                <a:latin typeface="Roboto"/>
-                <a:ea typeface="Roboto"/>
-                <a:cs typeface="Roboto"/>
-                <a:sym typeface="Roboto"/>
-              </a:rPr>
-              <a:t>.). Instructor and TA can ask as many questions as they want. Other teams should ask interesting </a:t>
-            </a:r>
-            <a:r>
-              <a:rPr lang="en" sz="1602" dirty="0" err="1">
-                <a:solidFill>
-                  <a:schemeClr val="dk1"/>
-                </a:solidFill>
-                <a:highlight>
-                  <a:srgbClr val="FFFFFF"/>
-                </a:highlight>
-                <a:latin typeface="Roboto"/>
-                <a:ea typeface="Roboto"/>
-                <a:cs typeface="Roboto"/>
-                <a:sym typeface="Roboto"/>
-              </a:rPr>
-              <a:t>qs</a:t>
-            </a:r>
-            <a:r>
-              <a:rPr lang="en" sz="1602" dirty="0">
-                <a:solidFill>
-                  <a:schemeClr val="dk1"/>
-                </a:solidFill>
-                <a:highlight>
-                  <a:srgbClr val="FFFFFF"/>
-                </a:highlight>
-                <a:latin typeface="Roboto"/>
-                <a:ea typeface="Roboto"/>
-                <a:cs typeface="Roboto"/>
-                <a:sym typeface="Roboto"/>
-              </a:rPr>
-              <a:t>. </a:t>
-            </a:r>
-            <a:r>
-              <a:rPr lang="en" sz="1602" dirty="0">
-                <a:solidFill>
-                  <a:schemeClr val="dk1"/>
-                </a:solidFill>
-                <a:highlight>
-                  <a:srgbClr val="FFFFFF"/>
-                </a:highlight>
-                <a:latin typeface="Roboto"/>
-                <a:ea typeface="Roboto"/>
-                <a:cs typeface="Roboto"/>
-                <a:sym typeface="Wingdings" pitchFamily="2" charset="2"/>
-              </a:rPr>
-              <a:t></a:t>
+              <a:t>Every group member will present a part of the presentation, preferably what they worked on, and questions will be asked at the end of the presentation.</a:t>
             </a:r>
             <a:endParaRPr sz="1602" dirty="0">
               <a:solidFill>

--- a/Syllabus/ProjectFiles/ProjectGradingRubric.pptx
+++ b/Syllabus/ProjectFiles/ProjectGradingRubric.pptx
@@ -6314,7 +6314,7 @@
                   <a:schemeClr val="dk1"/>
                 </a:solidFill>
               </a:rPr>
-              <a:t>Points Breakdown (35 points total) 20% of your grade</a:t>
+              <a:t>Points Breakdown (35 points total) - 20% of your grade</a:t>
             </a:r>
             <a:endParaRPr b="1" dirty="0">
               <a:solidFill>
@@ -7768,10 +7768,10 @@
               <a:buNone/>
             </a:pPr>
             <a:r>
-              <a:rPr lang="en" dirty="0"/>
+              <a:rPr lang="en" b="1" dirty="0"/>
               <a:t>Project Presentation - 8 points</a:t>
             </a:r>
-            <a:endParaRPr dirty="0"/>
+            <a:endParaRPr b="1" dirty="0"/>
           </a:p>
         </p:txBody>
       </p:sp>
@@ -7842,7 +7842,7 @@
             </a:endParaRPr>
           </a:p>
           <a:p>
-            <a:pPr marL="457200" lvl="0" indent="-330358" algn="l" rtl="0">
+            <a:pPr marL="469742" lvl="0" algn="l" rtl="0">
               <a:lnSpc>
                 <a:spcPct val="95000"/>
               </a:lnSpc>
@@ -7856,8 +7856,8 @@
                 <a:schemeClr val="dk1"/>
               </a:buClr>
               <a:buSzPts val="1603"/>
-              <a:buFont typeface="Roboto"/>
-              <a:buChar char="●"/>
+              <a:buFont typeface="+mj-lt"/>
+              <a:buAutoNum type="arabicPeriod"/>
             </a:pPr>
             <a:r>
               <a:rPr lang="en" sz="1602" dirty="0">
@@ -7888,7 +7888,7 @@
             </a:endParaRPr>
           </a:p>
           <a:p>
-            <a:pPr marL="457200" lvl="0" indent="-330358" algn="l" rtl="0">
+            <a:pPr marL="469742" lvl="0" algn="l" rtl="0">
               <a:lnSpc>
                 <a:spcPct val="95000"/>
               </a:lnSpc>
@@ -7902,8 +7902,8 @@
                 <a:schemeClr val="dk1"/>
               </a:buClr>
               <a:buSzPts val="1603"/>
-              <a:buFont typeface="Roboto"/>
-              <a:buChar char="●"/>
+              <a:buFont typeface="+mj-lt"/>
+              <a:buAutoNum type="arabicPeriod"/>
             </a:pPr>
             <a:r>
               <a:rPr lang="en" sz="1602" dirty="0">
@@ -7949,7 +7949,7 @@
             </a:endParaRPr>
           </a:p>
           <a:p>
-            <a:pPr marL="457200" lvl="0" indent="-330358" algn="l" rtl="0">
+            <a:pPr marL="469742" lvl="0" algn="l" rtl="0">
               <a:lnSpc>
                 <a:spcPct val="95000"/>
               </a:lnSpc>
@@ -7963,8 +7963,8 @@
                 <a:schemeClr val="dk1"/>
               </a:buClr>
               <a:buSzPts val="1603"/>
-              <a:buFont typeface="Roboto"/>
-              <a:buChar char="●"/>
+              <a:buFont typeface="+mj-lt"/>
+              <a:buAutoNum type="arabicPeriod"/>
             </a:pPr>
             <a:r>
               <a:rPr lang="en" sz="1602" dirty="0">
@@ -7995,7 +7995,7 @@
             </a:endParaRPr>
           </a:p>
           <a:p>
-            <a:pPr marL="457200" lvl="0" indent="-330358" algn="l" rtl="0">
+            <a:pPr marL="469742" lvl="0" algn="l" rtl="0">
               <a:lnSpc>
                 <a:spcPct val="95000"/>
               </a:lnSpc>
@@ -8009,8 +8009,8 @@
                 <a:schemeClr val="dk1"/>
               </a:buClr>
               <a:buSzPts val="1603"/>
-              <a:buFont typeface="Roboto"/>
-              <a:buChar char="●"/>
+              <a:buFont typeface="+mj-lt"/>
+              <a:buAutoNum type="arabicPeriod"/>
             </a:pPr>
             <a:r>
               <a:rPr lang="en" sz="1602" dirty="0">
@@ -8069,18 +8069,6 @@
               </a:rPr>
               <a:t>Every group member will present a part of the presentation, preferably what they worked on, and questions will be asked at the end of the presentation.</a:t>
             </a:r>
-            <a:endParaRPr sz="1602" dirty="0">
-              <a:solidFill>
-                <a:schemeClr val="dk1"/>
-              </a:solidFill>
-              <a:highlight>
-                <a:srgbClr val="FFFFFF"/>
-              </a:highlight>
-              <a:latin typeface="Roboto"/>
-              <a:ea typeface="Roboto"/>
-              <a:cs typeface="Roboto"/>
-              <a:sym typeface="Roboto"/>
-            </a:endParaRPr>
           </a:p>
         </p:txBody>
       </p:sp>
